--- a/media/databricks-run.pptx
+++ b/media/databricks-run.pptx
@@ -4,6 +4,9 @@
   <p:sldMasterIdLst>
     <p:sldMasterId id="2147483648" r:id="rId1"/>
   </p:sldMasterIdLst>
+  <p:notesMasterIdLst>
+    <p:notesMasterId r:id="rId3"/>
+  </p:notesMasterIdLst>
   <p:sldIdLst>
     <p:sldId id="256" r:id="rId2"/>
   </p:sldIdLst>
@@ -104,7 +107,446 @@
       </a:defRPr>
     </a:lvl9pPr>
   </p:defaultTextStyle>
+  <p:extLst>
+    <p:ext uri="{EFAFB233-063F-42B5-8137-9DF3F51BA10A}">
+      <p15:sldGuideLst xmlns:p15="http://schemas.microsoft.com/office/powerpoint/2012/main"/>
+    </p:ext>
+  </p:extLst>
 </p:presentation>
+</file>
+
+<file path=ppt/notesMasters/notesMaster1.xml><?xml version="1.0" encoding="utf-8"?>
+<p:notesMaster xmlns:a="http://schemas.openxmlformats.org/drawingml/2006/main" xmlns:r="http://schemas.openxmlformats.org/officeDocument/2006/relationships" xmlns:p="http://schemas.openxmlformats.org/presentationml/2006/main">
+  <p:cSld>
+    <p:bg>
+      <p:bgRef idx="1001">
+        <a:schemeClr val="bg1"/>
+      </p:bgRef>
+    </p:bg>
+    <p:spTree>
+      <p:nvGrpSpPr>
+        <p:cNvPr id="1" name=""/>
+        <p:cNvGrpSpPr/>
+        <p:nvPr/>
+      </p:nvGrpSpPr>
+      <p:grpSpPr>
+        <a:xfrm>
+          <a:off x="0" y="0"/>
+          <a:ext cx="0" cy="0"/>
+          <a:chOff x="0" y="0"/>
+          <a:chExt cx="0" cy="0"/>
+        </a:xfrm>
+      </p:grpSpPr>
+      <p:sp>
+        <p:nvSpPr>
+          <p:cNvPr id="2" name="Header Placeholder 1"/>
+          <p:cNvSpPr>
+            <a:spLocks noGrp="1"/>
+          </p:cNvSpPr>
+          <p:nvPr>
+            <p:ph type="hdr" sz="quarter"/>
+          </p:nvPr>
+        </p:nvSpPr>
+        <p:spPr>
+          <a:xfrm>
+            <a:off x="0" y="0"/>
+            <a:ext cx="2971800" cy="458788"/>
+          </a:xfrm>
+          <a:prstGeom prst="rect">
+            <a:avLst/>
+          </a:prstGeom>
+        </p:spPr>
+        <p:txBody>
+          <a:bodyPr vert="horz" lIns="91440" tIns="45720" rIns="91440" bIns="45720" rtlCol="0"/>
+          <a:lstStyle>
+            <a:lvl1pPr algn="l">
+              <a:defRPr sz="1200"/>
+            </a:lvl1pPr>
+          </a:lstStyle>
+          <a:p>
+            <a:endParaRPr lang="en-DE"/>
+          </a:p>
+        </p:txBody>
+      </p:sp>
+      <p:sp>
+        <p:nvSpPr>
+          <p:cNvPr id="3" name="Date Placeholder 2"/>
+          <p:cNvSpPr>
+            <a:spLocks noGrp="1"/>
+          </p:cNvSpPr>
+          <p:nvPr>
+            <p:ph type="dt" idx="1"/>
+          </p:nvPr>
+        </p:nvSpPr>
+        <p:spPr>
+          <a:xfrm>
+            <a:off x="3884613" y="0"/>
+            <a:ext cx="2971800" cy="458788"/>
+          </a:xfrm>
+          <a:prstGeom prst="rect">
+            <a:avLst/>
+          </a:prstGeom>
+        </p:spPr>
+        <p:txBody>
+          <a:bodyPr vert="horz" lIns="91440" tIns="45720" rIns="91440" bIns="45720" rtlCol="0"/>
+          <a:lstStyle>
+            <a:lvl1pPr algn="r">
+              <a:defRPr sz="1200"/>
+            </a:lvl1pPr>
+          </a:lstStyle>
+          <a:p>
+            <a:fld id="{E155F819-0A40-7E49-95C4-606D1D2DB12A}" type="datetimeFigureOut">
+              <a:rPr lang="en-DE" smtClean="0"/>
+              <a:t>02.09.20</a:t>
+            </a:fld>
+            <a:endParaRPr lang="en-DE"/>
+          </a:p>
+        </p:txBody>
+      </p:sp>
+      <p:sp>
+        <p:nvSpPr>
+          <p:cNvPr id="4" name="Slide Image Placeholder 3"/>
+          <p:cNvSpPr>
+            <a:spLocks noGrp="1" noRot="1" noChangeAspect="1"/>
+          </p:cNvSpPr>
+          <p:nvPr>
+            <p:ph type="sldImg" idx="2"/>
+          </p:nvPr>
+        </p:nvSpPr>
+        <p:spPr>
+          <a:xfrm>
+            <a:off x="685800" y="1143000"/>
+            <a:ext cx="5486400" cy="3086100"/>
+          </a:xfrm>
+          <a:prstGeom prst="rect">
+            <a:avLst/>
+          </a:prstGeom>
+          <a:noFill/>
+          <a:ln w="12700">
+            <a:solidFill>
+              <a:prstClr val="black"/>
+            </a:solidFill>
+          </a:ln>
+        </p:spPr>
+        <p:txBody>
+          <a:bodyPr vert="horz" lIns="91440" tIns="45720" rIns="91440" bIns="45720" rtlCol="0" anchor="ctr"/>
+          <a:lstStyle/>
+          <a:p>
+            <a:endParaRPr lang="en-DE"/>
+          </a:p>
+        </p:txBody>
+      </p:sp>
+      <p:sp>
+        <p:nvSpPr>
+          <p:cNvPr id="5" name="Notes Placeholder 4"/>
+          <p:cNvSpPr>
+            <a:spLocks noGrp="1"/>
+          </p:cNvSpPr>
+          <p:nvPr>
+            <p:ph type="body" sz="quarter" idx="3"/>
+          </p:nvPr>
+        </p:nvSpPr>
+        <p:spPr>
+          <a:xfrm>
+            <a:off x="685800" y="4400550"/>
+            <a:ext cx="5486400" cy="3600450"/>
+          </a:xfrm>
+          <a:prstGeom prst="rect">
+            <a:avLst/>
+          </a:prstGeom>
+        </p:spPr>
+        <p:txBody>
+          <a:bodyPr vert="horz" lIns="91440" tIns="45720" rIns="91440" bIns="45720" rtlCol="0"/>
+          <a:lstStyle/>
+          <a:p>
+            <a:pPr lvl="0"/>
+            <a:r>
+              <a:rPr lang="en-GB"/>
+              <a:t>Click to edit Master text styles</a:t>
+            </a:r>
+          </a:p>
+          <a:p>
+            <a:pPr lvl="1"/>
+            <a:r>
+              <a:rPr lang="en-GB"/>
+              <a:t>Second level</a:t>
+            </a:r>
+          </a:p>
+          <a:p>
+            <a:pPr lvl="2"/>
+            <a:r>
+              <a:rPr lang="en-GB"/>
+              <a:t>Third level</a:t>
+            </a:r>
+          </a:p>
+          <a:p>
+            <a:pPr lvl="3"/>
+            <a:r>
+              <a:rPr lang="en-GB"/>
+              <a:t>Fourth level</a:t>
+            </a:r>
+          </a:p>
+          <a:p>
+            <a:pPr lvl="4"/>
+            <a:r>
+              <a:rPr lang="en-GB"/>
+              <a:t>Fifth level</a:t>
+            </a:r>
+            <a:endParaRPr lang="en-DE"/>
+          </a:p>
+        </p:txBody>
+      </p:sp>
+      <p:sp>
+        <p:nvSpPr>
+          <p:cNvPr id="6" name="Footer Placeholder 5"/>
+          <p:cNvSpPr>
+            <a:spLocks noGrp="1"/>
+          </p:cNvSpPr>
+          <p:nvPr>
+            <p:ph type="ftr" sz="quarter" idx="4"/>
+          </p:nvPr>
+        </p:nvSpPr>
+        <p:spPr>
+          <a:xfrm>
+            <a:off x="0" y="8685213"/>
+            <a:ext cx="2971800" cy="458787"/>
+          </a:xfrm>
+          <a:prstGeom prst="rect">
+            <a:avLst/>
+          </a:prstGeom>
+        </p:spPr>
+        <p:txBody>
+          <a:bodyPr vert="horz" lIns="91440" tIns="45720" rIns="91440" bIns="45720" rtlCol="0" anchor="b"/>
+          <a:lstStyle>
+            <a:lvl1pPr algn="l">
+              <a:defRPr sz="1200"/>
+            </a:lvl1pPr>
+          </a:lstStyle>
+          <a:p>
+            <a:endParaRPr lang="en-DE"/>
+          </a:p>
+        </p:txBody>
+      </p:sp>
+      <p:sp>
+        <p:nvSpPr>
+          <p:cNvPr id="7" name="Slide Number Placeholder 6"/>
+          <p:cNvSpPr>
+            <a:spLocks noGrp="1"/>
+          </p:cNvSpPr>
+          <p:nvPr>
+            <p:ph type="sldNum" sz="quarter" idx="5"/>
+          </p:nvPr>
+        </p:nvSpPr>
+        <p:spPr>
+          <a:xfrm>
+            <a:off x="3884613" y="8685213"/>
+            <a:ext cx="2971800" cy="458787"/>
+          </a:xfrm>
+          <a:prstGeom prst="rect">
+            <a:avLst/>
+          </a:prstGeom>
+        </p:spPr>
+        <p:txBody>
+          <a:bodyPr vert="horz" lIns="91440" tIns="45720" rIns="91440" bIns="45720" rtlCol="0" anchor="b"/>
+          <a:lstStyle>
+            <a:lvl1pPr algn="r">
+              <a:defRPr sz="1200"/>
+            </a:lvl1pPr>
+          </a:lstStyle>
+          <a:p>
+            <a:fld id="{4602565B-365A-1549-A5A1-CB25BCD482FE}" type="slidenum">
+              <a:rPr lang="en-DE" smtClean="0"/>
+              <a:t>‹#›</a:t>
+            </a:fld>
+            <a:endParaRPr lang="en-DE"/>
+          </a:p>
+        </p:txBody>
+      </p:sp>
+    </p:spTree>
+    <p:extLst>
+      <p:ext uri="{BB962C8B-B14F-4D97-AF65-F5344CB8AC3E}">
+        <p14:creationId xmlns:p14="http://schemas.microsoft.com/office/powerpoint/2010/main" val="2373747748"/>
+      </p:ext>
+    </p:extLst>
+  </p:cSld>
+  <p:clrMap bg1="lt1" tx1="dk1" bg2="lt2" tx2="dk2" accent1="accent1" accent2="accent2" accent3="accent3" accent4="accent4" accent5="accent5" accent6="accent6" hlink="hlink" folHlink="folHlink"/>
+  <p:notesStyle>
+    <a:lvl1pPr marL="0" algn="l" defTabSz="914400" rtl="0" eaLnBrk="1" latinLnBrk="0" hangingPunct="1">
+      <a:defRPr sz="1200" kern="1200">
+        <a:solidFill>
+          <a:schemeClr val="tx1"/>
+        </a:solidFill>
+        <a:latin typeface="+mn-lt"/>
+        <a:ea typeface="+mn-ea"/>
+        <a:cs typeface="+mn-cs"/>
+      </a:defRPr>
+    </a:lvl1pPr>
+    <a:lvl2pPr marL="457200" algn="l" defTabSz="914400" rtl="0" eaLnBrk="1" latinLnBrk="0" hangingPunct="1">
+      <a:defRPr sz="1200" kern="1200">
+        <a:solidFill>
+          <a:schemeClr val="tx1"/>
+        </a:solidFill>
+        <a:latin typeface="+mn-lt"/>
+        <a:ea typeface="+mn-ea"/>
+        <a:cs typeface="+mn-cs"/>
+      </a:defRPr>
+    </a:lvl2pPr>
+    <a:lvl3pPr marL="914400" algn="l" defTabSz="914400" rtl="0" eaLnBrk="1" latinLnBrk="0" hangingPunct="1">
+      <a:defRPr sz="1200" kern="1200">
+        <a:solidFill>
+          <a:schemeClr val="tx1"/>
+        </a:solidFill>
+        <a:latin typeface="+mn-lt"/>
+        <a:ea typeface="+mn-ea"/>
+        <a:cs typeface="+mn-cs"/>
+      </a:defRPr>
+    </a:lvl3pPr>
+    <a:lvl4pPr marL="1371600" algn="l" defTabSz="914400" rtl="0" eaLnBrk="1" latinLnBrk="0" hangingPunct="1">
+      <a:defRPr sz="1200" kern="1200">
+        <a:solidFill>
+          <a:schemeClr val="tx1"/>
+        </a:solidFill>
+        <a:latin typeface="+mn-lt"/>
+        <a:ea typeface="+mn-ea"/>
+        <a:cs typeface="+mn-cs"/>
+      </a:defRPr>
+    </a:lvl4pPr>
+    <a:lvl5pPr marL="1828800" algn="l" defTabSz="914400" rtl="0" eaLnBrk="1" latinLnBrk="0" hangingPunct="1">
+      <a:defRPr sz="1200" kern="1200">
+        <a:solidFill>
+          <a:schemeClr val="tx1"/>
+        </a:solidFill>
+        <a:latin typeface="+mn-lt"/>
+        <a:ea typeface="+mn-ea"/>
+        <a:cs typeface="+mn-cs"/>
+      </a:defRPr>
+    </a:lvl5pPr>
+    <a:lvl6pPr marL="2286000" algn="l" defTabSz="914400" rtl="0" eaLnBrk="1" latinLnBrk="0" hangingPunct="1">
+      <a:defRPr sz="1200" kern="1200">
+        <a:solidFill>
+          <a:schemeClr val="tx1"/>
+        </a:solidFill>
+        <a:latin typeface="+mn-lt"/>
+        <a:ea typeface="+mn-ea"/>
+        <a:cs typeface="+mn-cs"/>
+      </a:defRPr>
+    </a:lvl6pPr>
+    <a:lvl7pPr marL="2743200" algn="l" defTabSz="914400" rtl="0" eaLnBrk="1" latinLnBrk="0" hangingPunct="1">
+      <a:defRPr sz="1200" kern="1200">
+        <a:solidFill>
+          <a:schemeClr val="tx1"/>
+        </a:solidFill>
+        <a:latin typeface="+mn-lt"/>
+        <a:ea typeface="+mn-ea"/>
+        <a:cs typeface="+mn-cs"/>
+      </a:defRPr>
+    </a:lvl7pPr>
+    <a:lvl8pPr marL="3200400" algn="l" defTabSz="914400" rtl="0" eaLnBrk="1" latinLnBrk="0" hangingPunct="1">
+      <a:defRPr sz="1200" kern="1200">
+        <a:solidFill>
+          <a:schemeClr val="tx1"/>
+        </a:solidFill>
+        <a:latin typeface="+mn-lt"/>
+        <a:ea typeface="+mn-ea"/>
+        <a:cs typeface="+mn-cs"/>
+      </a:defRPr>
+    </a:lvl8pPr>
+    <a:lvl9pPr marL="3657600" algn="l" defTabSz="914400" rtl="0" eaLnBrk="1" latinLnBrk="0" hangingPunct="1">
+      <a:defRPr sz="1200" kern="1200">
+        <a:solidFill>
+          <a:schemeClr val="tx1"/>
+        </a:solidFill>
+        <a:latin typeface="+mn-lt"/>
+        <a:ea typeface="+mn-ea"/>
+        <a:cs typeface="+mn-cs"/>
+      </a:defRPr>
+    </a:lvl9pPr>
+  </p:notesStyle>
+</p:notesMaster>
+</file>
+
+<file path=ppt/notesSlides/notesSlide1.xml><?xml version="1.0" encoding="utf-8"?>
+<p:notes xmlns:a="http://schemas.openxmlformats.org/drawingml/2006/main" xmlns:r="http://schemas.openxmlformats.org/officeDocument/2006/relationships" xmlns:p="http://schemas.openxmlformats.org/presentationml/2006/main">
+  <p:cSld>
+    <p:spTree>
+      <p:nvGrpSpPr>
+        <p:cNvPr id="1" name=""/>
+        <p:cNvGrpSpPr/>
+        <p:nvPr/>
+      </p:nvGrpSpPr>
+      <p:grpSpPr>
+        <a:xfrm>
+          <a:off x="0" y="0"/>
+          <a:ext cx="0" cy="0"/>
+          <a:chOff x="0" y="0"/>
+          <a:chExt cx="0" cy="0"/>
+        </a:xfrm>
+      </p:grpSpPr>
+      <p:sp>
+        <p:nvSpPr>
+          <p:cNvPr id="2" name="Slide Image Placeholder 1"/>
+          <p:cNvSpPr>
+            <a:spLocks noGrp="1" noRot="1" noChangeAspect="1"/>
+          </p:cNvSpPr>
+          <p:nvPr>
+            <p:ph type="sldImg"/>
+          </p:nvPr>
+        </p:nvSpPr>
+        <p:spPr/>
+      </p:sp>
+      <p:sp>
+        <p:nvSpPr>
+          <p:cNvPr id="3" name="Notes Placeholder 2"/>
+          <p:cNvSpPr>
+            <a:spLocks noGrp="1"/>
+          </p:cNvSpPr>
+          <p:nvPr>
+            <p:ph type="body" idx="1"/>
+          </p:nvPr>
+        </p:nvSpPr>
+        <p:spPr/>
+        <p:txBody>
+          <a:bodyPr/>
+          <a:lstStyle/>
+          <a:p>
+            <a:endParaRPr lang="en-DE" dirty="0"/>
+          </a:p>
+        </p:txBody>
+      </p:sp>
+      <p:sp>
+        <p:nvSpPr>
+          <p:cNvPr id="4" name="Slide Number Placeholder 3"/>
+          <p:cNvSpPr>
+            <a:spLocks noGrp="1"/>
+          </p:cNvSpPr>
+          <p:nvPr>
+            <p:ph type="sldNum" sz="quarter" idx="5"/>
+          </p:nvPr>
+        </p:nvSpPr>
+        <p:spPr/>
+        <p:txBody>
+          <a:bodyPr/>
+          <a:lstStyle/>
+          <a:p>
+            <a:fld id="{4602565B-365A-1549-A5A1-CB25BCD482FE}" type="slidenum">
+              <a:rPr lang="en-DE" smtClean="0"/>
+              <a:t>1</a:t>
+            </a:fld>
+            <a:endParaRPr lang="en-DE"/>
+          </a:p>
+        </p:txBody>
+      </p:sp>
+    </p:spTree>
+    <p:extLst>
+      <p:ext uri="{BB962C8B-B14F-4D97-AF65-F5344CB8AC3E}">
+        <p14:creationId xmlns:p14="http://schemas.microsoft.com/office/powerpoint/2010/main" val="3944459762"/>
+      </p:ext>
+    </p:extLst>
+  </p:cSld>
+  <p:clrMapOvr>
+    <a:masterClrMapping/>
+  </p:clrMapOvr>
+</p:notes>
 </file>
 
 <file path=ppt/slideLayouts/slideLayout1.xml><?xml version="1.0" encoding="utf-8"?>
@@ -256,7 +698,7 @@
           <a:p>
             <a:fld id="{685739E8-00FD-D14B-BD23-EE751B75DA59}" type="datetimeFigureOut">
               <a:rPr lang="en-DE" smtClean="0"/>
-              <a:t>11.08.20</a:t>
+              <a:t>02.09.20</a:t>
             </a:fld>
             <a:endParaRPr lang="en-DE"/>
           </a:p>
@@ -456,7 +898,7 @@
           <a:p>
             <a:fld id="{685739E8-00FD-D14B-BD23-EE751B75DA59}" type="datetimeFigureOut">
               <a:rPr lang="en-DE" smtClean="0"/>
-              <a:t>11.08.20</a:t>
+              <a:t>02.09.20</a:t>
             </a:fld>
             <a:endParaRPr lang="en-DE"/>
           </a:p>
@@ -666,7 +1108,7 @@
           <a:p>
             <a:fld id="{685739E8-00FD-D14B-BD23-EE751B75DA59}" type="datetimeFigureOut">
               <a:rPr lang="en-DE" smtClean="0"/>
-              <a:t>11.08.20</a:t>
+              <a:t>02.09.20</a:t>
             </a:fld>
             <a:endParaRPr lang="en-DE"/>
           </a:p>
@@ -866,7 +1308,7 @@
           <a:p>
             <a:fld id="{685739E8-00FD-D14B-BD23-EE751B75DA59}" type="datetimeFigureOut">
               <a:rPr lang="en-DE" smtClean="0"/>
-              <a:t>11.08.20</a:t>
+              <a:t>02.09.20</a:t>
             </a:fld>
             <a:endParaRPr lang="en-DE"/>
           </a:p>
@@ -1142,7 +1584,7 @@
           <a:p>
             <a:fld id="{685739E8-00FD-D14B-BD23-EE751B75DA59}" type="datetimeFigureOut">
               <a:rPr lang="en-DE" smtClean="0"/>
-              <a:t>11.08.20</a:t>
+              <a:t>02.09.20</a:t>
             </a:fld>
             <a:endParaRPr lang="en-DE"/>
           </a:p>
@@ -1410,7 +1852,7 @@
           <a:p>
             <a:fld id="{685739E8-00FD-D14B-BD23-EE751B75DA59}" type="datetimeFigureOut">
               <a:rPr lang="en-DE" smtClean="0"/>
-              <a:t>11.08.20</a:t>
+              <a:t>02.09.20</a:t>
             </a:fld>
             <a:endParaRPr lang="en-DE"/>
           </a:p>
@@ -1825,7 +2267,7 @@
           <a:p>
             <a:fld id="{685739E8-00FD-D14B-BD23-EE751B75DA59}" type="datetimeFigureOut">
               <a:rPr lang="en-DE" smtClean="0"/>
-              <a:t>11.08.20</a:t>
+              <a:t>02.09.20</a:t>
             </a:fld>
             <a:endParaRPr lang="en-DE"/>
           </a:p>
@@ -1967,7 +2409,7 @@
           <a:p>
             <a:fld id="{685739E8-00FD-D14B-BD23-EE751B75DA59}" type="datetimeFigureOut">
               <a:rPr lang="en-DE" smtClean="0"/>
-              <a:t>11.08.20</a:t>
+              <a:t>02.09.20</a:t>
             </a:fld>
             <a:endParaRPr lang="en-DE"/>
           </a:p>
@@ -2080,7 +2522,7 @@
           <a:p>
             <a:fld id="{685739E8-00FD-D14B-BD23-EE751B75DA59}" type="datetimeFigureOut">
               <a:rPr lang="en-DE" smtClean="0"/>
-              <a:t>11.08.20</a:t>
+              <a:t>02.09.20</a:t>
             </a:fld>
             <a:endParaRPr lang="en-DE"/>
           </a:p>
@@ -2393,7 +2835,7 @@
           <a:p>
             <a:fld id="{685739E8-00FD-D14B-BD23-EE751B75DA59}" type="datetimeFigureOut">
               <a:rPr lang="en-DE" smtClean="0"/>
-              <a:t>11.08.20</a:t>
+              <a:t>02.09.20</a:t>
             </a:fld>
             <a:endParaRPr lang="en-DE"/>
           </a:p>
@@ -2682,7 +3124,7 @@
           <a:p>
             <a:fld id="{685739E8-00FD-D14B-BD23-EE751B75DA59}" type="datetimeFigureOut">
               <a:rPr lang="en-DE" smtClean="0"/>
-              <a:t>11.08.20</a:t>
+              <a:t>02.09.20</a:t>
             </a:fld>
             <a:endParaRPr lang="en-DE"/>
           </a:p>
@@ -2925,7 +3367,7 @@
           <a:p>
             <a:fld id="{685739E8-00FD-D14B-BD23-EE751B75DA59}" type="datetimeFigureOut">
               <a:rPr lang="en-DE" smtClean="0"/>
-              <a:t>11.08.20</a:t>
+              <a:t>02.09.20</a:t>
             </a:fld>
             <a:endParaRPr lang="en-DE"/>
           </a:p>
@@ -3344,6 +3786,315 @@
       </p:grpSpPr>
       <p:sp>
         <p:nvSpPr>
+          <p:cNvPr id="24" name="Rectangle 23">
+            <a:extLst>
+              <a:ext uri="{FF2B5EF4-FFF2-40B4-BE49-F238E27FC236}">
+                <a16:creationId xmlns:a16="http://schemas.microsoft.com/office/drawing/2014/main" id="{3700F807-99E7-2A41-9932-E360CAE2D881}"/>
+              </a:ext>
+            </a:extLst>
+          </p:cNvPr>
+          <p:cNvSpPr/>
+          <p:nvPr/>
+        </p:nvSpPr>
+        <p:spPr>
+          <a:xfrm>
+            <a:off x="2774613" y="4216339"/>
+            <a:ext cx="1973750" cy="2096834"/>
+          </a:xfrm>
+          <a:prstGeom prst="rect">
+            <a:avLst/>
+          </a:prstGeom>
+          <a:solidFill>
+            <a:schemeClr val="bg1">
+              <a:lumMod val="95000"/>
+            </a:schemeClr>
+          </a:solidFill>
+        </p:spPr>
+        <p:style>
+          <a:lnRef idx="2">
+            <a:schemeClr val="accent1">
+              <a:shade val="50000"/>
+            </a:schemeClr>
+          </a:lnRef>
+          <a:fillRef idx="1">
+            <a:schemeClr val="accent1"/>
+          </a:fillRef>
+          <a:effectRef idx="0">
+            <a:schemeClr val="accent1"/>
+          </a:effectRef>
+          <a:fontRef idx="minor">
+            <a:schemeClr val="lt1"/>
+          </a:fontRef>
+        </p:style>
+        <p:txBody>
+          <a:bodyPr rtlCol="0" anchor="ctr"/>
+          <a:lstStyle/>
+          <a:p>
+            <a:pPr algn="ctr"/>
+            <a:endParaRPr lang="en-DE"/>
+          </a:p>
+        </p:txBody>
+      </p:sp>
+      <p:sp>
+        <p:nvSpPr>
+          <p:cNvPr id="23" name="Rectangle 22">
+            <a:extLst>
+              <a:ext uri="{FF2B5EF4-FFF2-40B4-BE49-F238E27FC236}">
+                <a16:creationId xmlns:a16="http://schemas.microsoft.com/office/drawing/2014/main" id="{7D1098B6-3920-2143-A968-C57DB6B54085}"/>
+              </a:ext>
+            </a:extLst>
+          </p:cNvPr>
+          <p:cNvSpPr/>
+          <p:nvPr/>
+        </p:nvSpPr>
+        <p:spPr>
+          <a:xfrm>
+            <a:off x="714513" y="4220488"/>
+            <a:ext cx="1973750" cy="2096834"/>
+          </a:xfrm>
+          <a:prstGeom prst="rect">
+            <a:avLst/>
+          </a:prstGeom>
+          <a:solidFill>
+            <a:schemeClr val="tx1">
+              <a:lumMod val="75000"/>
+              <a:lumOff val="25000"/>
+            </a:schemeClr>
+          </a:solidFill>
+        </p:spPr>
+        <p:style>
+          <a:lnRef idx="2">
+            <a:schemeClr val="accent1">
+              <a:shade val="50000"/>
+            </a:schemeClr>
+          </a:lnRef>
+          <a:fillRef idx="1">
+            <a:schemeClr val="accent1"/>
+          </a:fillRef>
+          <a:effectRef idx="0">
+            <a:schemeClr val="accent1"/>
+          </a:effectRef>
+          <a:fontRef idx="minor">
+            <a:schemeClr val="lt1"/>
+          </a:fontRef>
+        </p:style>
+        <p:txBody>
+          <a:bodyPr rtlCol="0" anchor="ctr"/>
+          <a:lstStyle/>
+          <a:p>
+            <a:pPr algn="ctr"/>
+            <a:endParaRPr lang="en-DE"/>
+          </a:p>
+        </p:txBody>
+      </p:sp>
+      <p:sp>
+        <p:nvSpPr>
+          <p:cNvPr id="18" name="Rectangle 17">
+            <a:extLst>
+              <a:ext uri="{FF2B5EF4-FFF2-40B4-BE49-F238E27FC236}">
+                <a16:creationId xmlns:a16="http://schemas.microsoft.com/office/drawing/2014/main" id="{7CEE51B3-1909-9944-9026-D154F29A137F}"/>
+              </a:ext>
+            </a:extLst>
+          </p:cNvPr>
+          <p:cNvSpPr/>
+          <p:nvPr/>
+        </p:nvSpPr>
+        <p:spPr>
+          <a:xfrm>
+            <a:off x="4901934" y="5273654"/>
+            <a:ext cx="6522657" cy="1043668"/>
+          </a:xfrm>
+          <a:prstGeom prst="rect">
+            <a:avLst/>
+          </a:prstGeom>
+          <a:solidFill>
+            <a:schemeClr val="bg1">
+              <a:lumMod val="95000"/>
+            </a:schemeClr>
+          </a:solidFill>
+        </p:spPr>
+        <p:style>
+          <a:lnRef idx="2">
+            <a:schemeClr val="accent1">
+              <a:shade val="50000"/>
+            </a:schemeClr>
+          </a:lnRef>
+          <a:fillRef idx="1">
+            <a:schemeClr val="accent1"/>
+          </a:fillRef>
+          <a:effectRef idx="0">
+            <a:schemeClr val="accent1"/>
+          </a:effectRef>
+          <a:fontRef idx="minor">
+            <a:schemeClr val="lt1"/>
+          </a:fontRef>
+        </p:style>
+        <p:txBody>
+          <a:bodyPr rtlCol="0" anchor="ctr"/>
+          <a:lstStyle/>
+          <a:p>
+            <a:pPr algn="ctr"/>
+            <a:endParaRPr lang="en-DE"/>
+          </a:p>
+        </p:txBody>
+      </p:sp>
+      <p:sp>
+        <p:nvSpPr>
+          <p:cNvPr id="17" name="Rectangle 16">
+            <a:extLst>
+              <a:ext uri="{FF2B5EF4-FFF2-40B4-BE49-F238E27FC236}">
+                <a16:creationId xmlns:a16="http://schemas.microsoft.com/office/drawing/2014/main" id="{ADA0903C-F067-C047-8A29-183F80E6EF43}"/>
+              </a:ext>
+            </a:extLst>
+          </p:cNvPr>
+          <p:cNvSpPr/>
+          <p:nvPr/>
+        </p:nvSpPr>
+        <p:spPr>
+          <a:xfrm>
+            <a:off x="393238" y="1961286"/>
+            <a:ext cx="6192688" cy="1043668"/>
+          </a:xfrm>
+          <a:prstGeom prst="rect">
+            <a:avLst/>
+          </a:prstGeom>
+          <a:solidFill>
+            <a:schemeClr val="bg1">
+              <a:lumMod val="95000"/>
+            </a:schemeClr>
+          </a:solidFill>
+        </p:spPr>
+        <p:style>
+          <a:lnRef idx="2">
+            <a:schemeClr val="accent1">
+              <a:shade val="50000"/>
+            </a:schemeClr>
+          </a:lnRef>
+          <a:fillRef idx="1">
+            <a:schemeClr val="accent1"/>
+          </a:fillRef>
+          <a:effectRef idx="0">
+            <a:schemeClr val="accent1"/>
+          </a:effectRef>
+          <a:fontRef idx="minor">
+            <a:schemeClr val="lt1"/>
+          </a:fontRef>
+        </p:style>
+        <p:txBody>
+          <a:bodyPr rtlCol="0" anchor="ctr"/>
+          <a:lstStyle/>
+          <a:p>
+            <a:pPr algn="ctr"/>
+            <a:endParaRPr lang="en-DE"/>
+          </a:p>
+        </p:txBody>
+      </p:sp>
+      <p:sp>
+        <p:nvSpPr>
+          <p:cNvPr id="7" name="Rectangle 6">
+            <a:extLst>
+              <a:ext uri="{FF2B5EF4-FFF2-40B4-BE49-F238E27FC236}">
+                <a16:creationId xmlns:a16="http://schemas.microsoft.com/office/drawing/2014/main" id="{9622629D-1715-0E49-BFBE-B483CEB868E9}"/>
+              </a:ext>
+            </a:extLst>
+          </p:cNvPr>
+          <p:cNvSpPr/>
+          <p:nvPr/>
+        </p:nvSpPr>
+        <p:spPr>
+          <a:xfrm>
+            <a:off x="407368" y="908720"/>
+            <a:ext cx="6192688" cy="1043668"/>
+          </a:xfrm>
+          <a:prstGeom prst="rect">
+            <a:avLst/>
+          </a:prstGeom>
+          <a:solidFill>
+            <a:schemeClr val="tx1">
+              <a:lumMod val="75000"/>
+              <a:lumOff val="25000"/>
+            </a:schemeClr>
+          </a:solidFill>
+        </p:spPr>
+        <p:style>
+          <a:lnRef idx="2">
+            <a:schemeClr val="accent1">
+              <a:shade val="50000"/>
+            </a:schemeClr>
+          </a:lnRef>
+          <a:fillRef idx="1">
+            <a:schemeClr val="accent1"/>
+          </a:fillRef>
+          <a:effectRef idx="0">
+            <a:schemeClr val="accent1"/>
+          </a:effectRef>
+          <a:fontRef idx="minor">
+            <a:schemeClr val="lt1"/>
+          </a:fontRef>
+        </p:style>
+        <p:txBody>
+          <a:bodyPr rtlCol="0" anchor="ctr"/>
+          <a:lstStyle/>
+          <a:p>
+            <a:pPr algn="ctr"/>
+            <a:endParaRPr lang="en-DE"/>
+          </a:p>
+        </p:txBody>
+      </p:sp>
+      <p:sp>
+        <p:nvSpPr>
+          <p:cNvPr id="15" name="Rectangle 14">
+            <a:extLst>
+              <a:ext uri="{FF2B5EF4-FFF2-40B4-BE49-F238E27FC236}">
+                <a16:creationId xmlns:a16="http://schemas.microsoft.com/office/drawing/2014/main" id="{79432325-017A-E640-95BA-55A300B53E58}"/>
+              </a:ext>
+            </a:extLst>
+          </p:cNvPr>
+          <p:cNvSpPr/>
+          <p:nvPr/>
+        </p:nvSpPr>
+        <p:spPr>
+          <a:xfrm>
+            <a:off x="4901934" y="4221088"/>
+            <a:ext cx="6522657" cy="1043668"/>
+          </a:xfrm>
+          <a:prstGeom prst="rect">
+            <a:avLst/>
+          </a:prstGeom>
+          <a:solidFill>
+            <a:schemeClr val="tx1">
+              <a:lumMod val="75000"/>
+              <a:lumOff val="25000"/>
+            </a:schemeClr>
+          </a:solidFill>
+        </p:spPr>
+        <p:style>
+          <a:lnRef idx="2">
+            <a:schemeClr val="accent1">
+              <a:shade val="50000"/>
+            </a:schemeClr>
+          </a:lnRef>
+          <a:fillRef idx="1">
+            <a:schemeClr val="accent1"/>
+          </a:fillRef>
+          <a:effectRef idx="0">
+            <a:schemeClr val="accent1"/>
+          </a:effectRef>
+          <a:fontRef idx="minor">
+            <a:schemeClr val="lt1"/>
+          </a:fontRef>
+        </p:style>
+        <p:txBody>
+          <a:bodyPr rtlCol="0" anchor="ctr"/>
+          <a:lstStyle/>
+          <a:p>
+            <a:pPr algn="ctr"/>
+            <a:endParaRPr lang="en-DE"/>
+          </a:p>
+        </p:txBody>
+      </p:sp>
+      <p:sp>
+        <p:nvSpPr>
           <p:cNvPr id="135" name="Arc 134">
             <a:extLst>
               <a:ext uri="{FF2B5EF4-FFF2-40B4-BE49-F238E27FC236}">
@@ -3703,6 +4454,662 @@
             <a:solidFill>
               <a:srgbClr val="FF0000"/>
             </a:solidFill>
+          </a:ln>
+        </p:spPr>
+        <p:style>
+          <a:lnRef idx="1">
+            <a:schemeClr val="accent1"/>
+          </a:lnRef>
+          <a:fillRef idx="0">
+            <a:schemeClr val="accent1"/>
+          </a:fillRef>
+          <a:effectRef idx="0">
+            <a:schemeClr val="accent1"/>
+          </a:effectRef>
+          <a:fontRef idx="minor">
+            <a:schemeClr val="tx1"/>
+          </a:fontRef>
+        </p:style>
+      </p:cxnSp>
+      <p:sp>
+        <p:nvSpPr>
+          <p:cNvPr id="2" name="Rectangle 1">
+            <a:extLst>
+              <a:ext uri="{FF2B5EF4-FFF2-40B4-BE49-F238E27FC236}">
+                <a16:creationId xmlns:a16="http://schemas.microsoft.com/office/drawing/2014/main" id="{B7C59DF7-5879-4648-B754-8EBCFA68A9D5}"/>
+              </a:ext>
+            </a:extLst>
+          </p:cNvPr>
+          <p:cNvSpPr/>
+          <p:nvPr/>
+        </p:nvSpPr>
+        <p:spPr>
+          <a:xfrm>
+            <a:off x="914400" y="1360714"/>
+            <a:ext cx="1164771" cy="1164771"/>
+          </a:xfrm>
+          <a:prstGeom prst="rect">
+            <a:avLst/>
+          </a:prstGeom>
+          <a:ln w="114300" cap="rnd">
+            <a:solidFill>
+              <a:srgbClr val="FF3722"/>
+            </a:solidFill>
+            <a:round/>
+          </a:ln>
+        </p:spPr>
+        <p:style>
+          <a:lnRef idx="1">
+            <a:schemeClr val="accent1"/>
+          </a:lnRef>
+          <a:fillRef idx="0">
+            <a:schemeClr val="accent1"/>
+          </a:fillRef>
+          <a:effectRef idx="0">
+            <a:schemeClr val="accent1"/>
+          </a:effectRef>
+          <a:fontRef idx="minor">
+            <a:schemeClr val="tx1"/>
+          </a:fontRef>
+        </p:style>
+        <p:txBody>
+          <a:bodyPr rtlCol="0" anchor="ctr"/>
+          <a:lstStyle/>
+          <a:p>
+            <a:pPr algn="ctr"/>
+            <a:endParaRPr lang="en-DE">
+              <a:solidFill>
+                <a:schemeClr val="tx1"/>
+              </a:solidFill>
+            </a:endParaRPr>
+          </a:p>
+        </p:txBody>
+      </p:sp>
+      <p:sp>
+        <p:nvSpPr>
+          <p:cNvPr id="3" name="Triangle 2">
+            <a:extLst>
+              <a:ext uri="{FF2B5EF4-FFF2-40B4-BE49-F238E27FC236}">
+                <a16:creationId xmlns:a16="http://schemas.microsoft.com/office/drawing/2014/main" id="{6F42B681-17F4-1143-93D1-6B128A3A66B7}"/>
+              </a:ext>
+            </a:extLst>
+          </p:cNvPr>
+          <p:cNvSpPr/>
+          <p:nvPr/>
+        </p:nvSpPr>
+        <p:spPr>
+          <a:xfrm rot="5400000">
+            <a:off x="2946127" y="1480240"/>
+            <a:ext cx="1136860" cy="944297"/>
+          </a:xfrm>
+          <a:prstGeom prst="triangle">
+            <a:avLst>
+              <a:gd name="adj" fmla="val 52341"/>
+            </a:avLst>
+          </a:prstGeom>
+          <a:ln w="114300" cap="rnd">
+            <a:solidFill>
+              <a:srgbClr val="00B050"/>
+            </a:solidFill>
+            <a:round/>
+          </a:ln>
+        </p:spPr>
+        <p:style>
+          <a:lnRef idx="1">
+            <a:schemeClr val="accent1"/>
+          </a:lnRef>
+          <a:fillRef idx="0">
+            <a:schemeClr val="accent1"/>
+          </a:fillRef>
+          <a:effectRef idx="0">
+            <a:schemeClr val="accent1"/>
+          </a:effectRef>
+          <a:fontRef idx="minor">
+            <a:schemeClr val="tx1"/>
+          </a:fontRef>
+        </p:style>
+        <p:txBody>
+          <a:bodyPr rtlCol="0" anchor="ctr"/>
+          <a:lstStyle/>
+          <a:p>
+            <a:pPr algn="ctr"/>
+            <a:endParaRPr lang="en-DE">
+              <a:solidFill>
+                <a:schemeClr val="tx1"/>
+              </a:solidFill>
+            </a:endParaRPr>
+          </a:p>
+        </p:txBody>
+      </p:sp>
+      <p:sp>
+        <p:nvSpPr>
+          <p:cNvPr id="4" name="Arc 3">
+            <a:extLst>
+              <a:ext uri="{FF2B5EF4-FFF2-40B4-BE49-F238E27FC236}">
+                <a16:creationId xmlns:a16="http://schemas.microsoft.com/office/drawing/2014/main" id="{39CC1BED-80C0-6640-B946-624D3FB4F915}"/>
+              </a:ext>
+            </a:extLst>
+          </p:cNvPr>
+          <p:cNvSpPr/>
+          <p:nvPr/>
+        </p:nvSpPr>
+        <p:spPr>
+          <a:xfrm>
+            <a:off x="4630142" y="1360714"/>
+            <a:ext cx="1166986" cy="1166986"/>
+          </a:xfrm>
+          <a:prstGeom prst="arc">
+            <a:avLst>
+              <a:gd name="adj1" fmla="val 12902127"/>
+              <a:gd name="adj2" fmla="val 21594602"/>
+            </a:avLst>
+          </a:prstGeom>
+          <a:ln w="114300" cap="rnd">
+            <a:solidFill>
+              <a:srgbClr val="00B050"/>
+            </a:solidFill>
+            <a:round/>
+            <a:headEnd type="triangle" w="med" len="med"/>
+            <a:tailEnd type="none" w="lg" len="lg"/>
+          </a:ln>
+        </p:spPr>
+        <p:style>
+          <a:lnRef idx="1">
+            <a:schemeClr val="accent1"/>
+          </a:lnRef>
+          <a:fillRef idx="0">
+            <a:schemeClr val="accent1"/>
+          </a:fillRef>
+          <a:effectRef idx="0">
+            <a:schemeClr val="accent1"/>
+          </a:effectRef>
+          <a:fontRef idx="minor">
+            <a:schemeClr val="tx1"/>
+          </a:fontRef>
+        </p:style>
+        <p:txBody>
+          <a:bodyPr rtlCol="0" anchor="ctr"/>
+          <a:lstStyle/>
+          <a:p>
+            <a:pPr algn="ctr"/>
+            <a:endParaRPr lang="en-DE"/>
+          </a:p>
+        </p:txBody>
+      </p:sp>
+      <p:sp>
+        <p:nvSpPr>
+          <p:cNvPr id="10" name="Arc 9">
+            <a:extLst>
+              <a:ext uri="{FF2B5EF4-FFF2-40B4-BE49-F238E27FC236}">
+                <a16:creationId xmlns:a16="http://schemas.microsoft.com/office/drawing/2014/main" id="{C3406165-D86D-6847-BB63-C0937C4C612F}"/>
+              </a:ext>
+            </a:extLst>
+          </p:cNvPr>
+          <p:cNvSpPr/>
+          <p:nvPr/>
+        </p:nvSpPr>
+        <p:spPr>
+          <a:xfrm rot="10800000">
+            <a:off x="4630142" y="1353830"/>
+            <a:ext cx="1166986" cy="1166986"/>
+          </a:xfrm>
+          <a:prstGeom prst="arc">
+            <a:avLst>
+              <a:gd name="adj1" fmla="val 12902127"/>
+              <a:gd name="adj2" fmla="val 21594602"/>
+            </a:avLst>
+          </a:prstGeom>
+          <a:ln w="114300" cap="rnd">
+            <a:solidFill>
+              <a:srgbClr val="00B050"/>
+            </a:solidFill>
+            <a:round/>
+            <a:headEnd type="triangle" w="med" len="med"/>
+            <a:tailEnd type="none" w="lg" len="lg"/>
+          </a:ln>
+        </p:spPr>
+        <p:style>
+          <a:lnRef idx="1">
+            <a:schemeClr val="accent1"/>
+          </a:lnRef>
+          <a:fillRef idx="0">
+            <a:schemeClr val="accent1"/>
+          </a:fillRef>
+          <a:effectRef idx="0">
+            <a:schemeClr val="accent1"/>
+          </a:effectRef>
+          <a:fontRef idx="minor">
+            <a:schemeClr val="tx1"/>
+          </a:fontRef>
+        </p:style>
+        <p:txBody>
+          <a:bodyPr rtlCol="0" anchor="ctr"/>
+          <a:lstStyle/>
+          <a:p>
+            <a:pPr algn="ctr"/>
+            <a:endParaRPr lang="en-DE"/>
+          </a:p>
+        </p:txBody>
+      </p:sp>
+      <p:sp>
+        <p:nvSpPr>
+          <p:cNvPr id="22" name="Folded Corner 21">
+            <a:extLst>
+              <a:ext uri="{FF2B5EF4-FFF2-40B4-BE49-F238E27FC236}">
+                <a16:creationId xmlns:a16="http://schemas.microsoft.com/office/drawing/2014/main" id="{4B6D0085-8306-E444-8AE7-3E9D8099930D}"/>
+              </a:ext>
+            </a:extLst>
+          </p:cNvPr>
+          <p:cNvSpPr/>
+          <p:nvPr/>
+        </p:nvSpPr>
+        <p:spPr>
+          <a:xfrm flipV="1">
+            <a:off x="1129043" y="4646680"/>
+            <a:ext cx="837544" cy="902350"/>
+          </a:xfrm>
+          <a:prstGeom prst="foldedCorner">
+            <a:avLst>
+              <a:gd name="adj" fmla="val 28114"/>
+            </a:avLst>
+          </a:prstGeom>
+          <a:noFill/>
+          <a:ln w="114300" cap="rnd">
+            <a:solidFill>
+              <a:schemeClr val="bg1">
+                <a:lumMod val="65000"/>
+              </a:schemeClr>
+            </a:solidFill>
+            <a:round/>
+          </a:ln>
+        </p:spPr>
+        <p:style>
+          <a:lnRef idx="1">
+            <a:schemeClr val="accent1"/>
+          </a:lnRef>
+          <a:fillRef idx="0">
+            <a:schemeClr val="accent1"/>
+          </a:fillRef>
+          <a:effectRef idx="0">
+            <a:schemeClr val="accent1"/>
+          </a:effectRef>
+          <a:fontRef idx="minor">
+            <a:schemeClr val="tx1"/>
+          </a:fontRef>
+        </p:style>
+        <p:txBody>
+          <a:bodyPr rtlCol="0" anchor="ctr"/>
+          <a:lstStyle/>
+          <a:p>
+            <a:pPr algn="ctr"/>
+            <a:endParaRPr lang="en-DE">
+              <a:solidFill>
+                <a:schemeClr val="tx1"/>
+              </a:solidFill>
+            </a:endParaRPr>
+          </a:p>
+        </p:txBody>
+      </p:sp>
+      <p:sp>
+        <p:nvSpPr>
+          <p:cNvPr id="13" name="Rounded Rectangle 12">
+            <a:extLst>
+              <a:ext uri="{FF2B5EF4-FFF2-40B4-BE49-F238E27FC236}">
+                <a16:creationId xmlns:a16="http://schemas.microsoft.com/office/drawing/2014/main" id="{3F9B35FB-959D-C74A-8332-8A60ECAEC262}"/>
+              </a:ext>
+            </a:extLst>
+          </p:cNvPr>
+          <p:cNvSpPr/>
+          <p:nvPr/>
+        </p:nvSpPr>
+        <p:spPr>
+          <a:xfrm>
+            <a:off x="8407632" y="4630717"/>
+            <a:ext cx="1164771" cy="1164771"/>
+          </a:xfrm>
+          <a:prstGeom prst="roundRect">
+            <a:avLst/>
+          </a:prstGeom>
+          <a:ln w="114300" cap="rnd">
+            <a:solidFill>
+              <a:srgbClr val="00B050"/>
+            </a:solidFill>
+            <a:round/>
+          </a:ln>
+        </p:spPr>
+        <p:style>
+          <a:lnRef idx="1">
+            <a:schemeClr val="accent1"/>
+          </a:lnRef>
+          <a:fillRef idx="0">
+            <a:schemeClr val="accent1"/>
+          </a:fillRef>
+          <a:effectRef idx="0">
+            <a:schemeClr val="accent1"/>
+          </a:effectRef>
+          <a:fontRef idx="minor">
+            <a:schemeClr val="tx1"/>
+          </a:fontRef>
+        </p:style>
+        <p:txBody>
+          <a:bodyPr rtlCol="0" anchor="ctr"/>
+          <a:lstStyle/>
+          <a:p>
+            <a:pPr algn="ctr"/>
+            <a:endParaRPr lang="en-DE">
+              <a:solidFill>
+                <a:schemeClr val="tx1"/>
+              </a:solidFill>
+            </a:endParaRPr>
+          </a:p>
+        </p:txBody>
+      </p:sp>
+      <p:cxnSp>
+        <p:nvCxnSpPr>
+          <p:cNvPr id="25" name="Straight Arrow Connector 24">
+            <a:extLst>
+              <a:ext uri="{FF2B5EF4-FFF2-40B4-BE49-F238E27FC236}">
+                <a16:creationId xmlns:a16="http://schemas.microsoft.com/office/drawing/2014/main" id="{2FD2B5AE-FF71-4848-ABDC-FD8BD9911709}"/>
+              </a:ext>
+            </a:extLst>
+          </p:cNvPr>
+          <p:cNvCxnSpPr>
+            <a:cxnSpLocks/>
+          </p:cNvCxnSpPr>
+          <p:nvPr/>
+        </p:nvCxnSpPr>
+        <p:spPr>
+          <a:xfrm flipH="1">
+            <a:off x="8975942" y="4843713"/>
+            <a:ext cx="401138" cy="429941"/>
+          </a:xfrm>
+          <a:prstGeom prst="straightConnector1">
+            <a:avLst/>
+          </a:prstGeom>
+          <a:ln w="114300" cap="rnd">
+            <a:solidFill>
+              <a:srgbClr val="00B050"/>
+            </a:solidFill>
+            <a:round/>
+            <a:headEnd type="triangle" w="med" len="med"/>
+            <a:tailEnd type="none" w="med" len="med"/>
+          </a:ln>
+        </p:spPr>
+        <p:style>
+          <a:lnRef idx="1">
+            <a:schemeClr val="accent1"/>
+          </a:lnRef>
+          <a:fillRef idx="0">
+            <a:schemeClr val="accent1"/>
+          </a:fillRef>
+          <a:effectRef idx="0">
+            <a:schemeClr val="accent1"/>
+          </a:effectRef>
+          <a:fontRef idx="minor">
+            <a:schemeClr val="tx1"/>
+          </a:fontRef>
+        </p:style>
+      </p:cxnSp>
+      <p:sp>
+        <p:nvSpPr>
+          <p:cNvPr id="33" name="Folded Corner 32">
+            <a:extLst>
+              <a:ext uri="{FF2B5EF4-FFF2-40B4-BE49-F238E27FC236}">
+                <a16:creationId xmlns:a16="http://schemas.microsoft.com/office/drawing/2014/main" id="{844CB4D9-E0AC-0C48-88C9-27AC3ED834CE}"/>
+              </a:ext>
+            </a:extLst>
+          </p:cNvPr>
+          <p:cNvSpPr/>
+          <p:nvPr/>
+        </p:nvSpPr>
+        <p:spPr>
+          <a:xfrm flipV="1">
+            <a:off x="1456270" y="4898663"/>
+            <a:ext cx="837544" cy="902350"/>
+          </a:xfrm>
+          <a:prstGeom prst="foldedCorner">
+            <a:avLst>
+              <a:gd name="adj" fmla="val 28114"/>
+            </a:avLst>
+          </a:prstGeom>
+          <a:solidFill>
+            <a:schemeClr val="bg1">
+              <a:lumMod val="50000"/>
+            </a:schemeClr>
+          </a:solidFill>
+          <a:ln w="114300" cap="rnd">
+            <a:solidFill>
+              <a:schemeClr val="bg1">
+                <a:lumMod val="65000"/>
+              </a:schemeClr>
+            </a:solidFill>
+            <a:round/>
+          </a:ln>
+        </p:spPr>
+        <p:style>
+          <a:lnRef idx="1">
+            <a:schemeClr val="accent1"/>
+          </a:lnRef>
+          <a:fillRef idx="0">
+            <a:schemeClr val="accent1"/>
+          </a:fillRef>
+          <a:effectRef idx="0">
+            <a:schemeClr val="accent1"/>
+          </a:effectRef>
+          <a:fontRef idx="minor">
+            <a:schemeClr val="tx1"/>
+          </a:fontRef>
+        </p:style>
+        <p:txBody>
+          <a:bodyPr rtlCol="0" anchor="ctr"/>
+          <a:lstStyle/>
+          <a:p>
+            <a:pPr algn="ctr"/>
+            <a:endParaRPr lang="en-DE">
+              <a:solidFill>
+                <a:schemeClr val="tx1"/>
+              </a:solidFill>
+            </a:endParaRPr>
+          </a:p>
+        </p:txBody>
+      </p:sp>
+      <p:sp>
+        <p:nvSpPr>
+          <p:cNvPr id="34" name="Folded Corner 33">
+            <a:extLst>
+              <a:ext uri="{FF2B5EF4-FFF2-40B4-BE49-F238E27FC236}">
+                <a16:creationId xmlns:a16="http://schemas.microsoft.com/office/drawing/2014/main" id="{FE15992F-720E-0B49-AEC0-BDA92993AFB0}"/>
+              </a:ext>
+            </a:extLst>
+          </p:cNvPr>
+          <p:cNvSpPr/>
+          <p:nvPr/>
+        </p:nvSpPr>
+        <p:spPr>
+          <a:xfrm flipV="1">
+            <a:off x="3015489" y="4641155"/>
+            <a:ext cx="837544" cy="902350"/>
+          </a:xfrm>
+          <a:prstGeom prst="foldedCorner">
+            <a:avLst>
+              <a:gd name="adj" fmla="val 28114"/>
+            </a:avLst>
+          </a:prstGeom>
+          <a:noFill/>
+          <a:ln w="114300" cap="rnd">
+            <a:solidFill>
+              <a:schemeClr val="bg1">
+                <a:lumMod val="75000"/>
+              </a:schemeClr>
+            </a:solidFill>
+            <a:round/>
+          </a:ln>
+        </p:spPr>
+        <p:style>
+          <a:lnRef idx="1">
+            <a:schemeClr val="accent1"/>
+          </a:lnRef>
+          <a:fillRef idx="0">
+            <a:schemeClr val="accent1"/>
+          </a:fillRef>
+          <a:effectRef idx="0">
+            <a:schemeClr val="accent1"/>
+          </a:effectRef>
+          <a:fontRef idx="minor">
+            <a:schemeClr val="tx1"/>
+          </a:fontRef>
+        </p:style>
+        <p:txBody>
+          <a:bodyPr rtlCol="0" anchor="ctr"/>
+          <a:lstStyle/>
+          <a:p>
+            <a:pPr algn="ctr"/>
+            <a:endParaRPr lang="en-DE">
+              <a:solidFill>
+                <a:schemeClr val="tx1"/>
+              </a:solidFill>
+            </a:endParaRPr>
+          </a:p>
+        </p:txBody>
+      </p:sp>
+      <p:sp>
+        <p:nvSpPr>
+          <p:cNvPr id="35" name="Folded Corner 34">
+            <a:extLst>
+              <a:ext uri="{FF2B5EF4-FFF2-40B4-BE49-F238E27FC236}">
+                <a16:creationId xmlns:a16="http://schemas.microsoft.com/office/drawing/2014/main" id="{CD65F84F-4252-EB40-83A2-E77A9B747637}"/>
+              </a:ext>
+            </a:extLst>
+          </p:cNvPr>
+          <p:cNvSpPr/>
+          <p:nvPr/>
+        </p:nvSpPr>
+        <p:spPr>
+          <a:xfrm flipV="1">
+            <a:off x="3342716" y="4893138"/>
+            <a:ext cx="837544" cy="902350"/>
+          </a:xfrm>
+          <a:prstGeom prst="foldedCorner">
+            <a:avLst>
+              <a:gd name="adj" fmla="val 28114"/>
+            </a:avLst>
+          </a:prstGeom>
+          <a:solidFill>
+            <a:schemeClr val="bg1">
+              <a:lumMod val="85000"/>
+            </a:schemeClr>
+          </a:solidFill>
+          <a:ln w="114300" cap="rnd">
+            <a:solidFill>
+              <a:schemeClr val="bg1">
+                <a:lumMod val="75000"/>
+              </a:schemeClr>
+            </a:solidFill>
+            <a:round/>
+          </a:ln>
+        </p:spPr>
+        <p:style>
+          <a:lnRef idx="1">
+            <a:schemeClr val="accent1"/>
+          </a:lnRef>
+          <a:fillRef idx="0">
+            <a:schemeClr val="accent1"/>
+          </a:fillRef>
+          <a:effectRef idx="0">
+            <a:schemeClr val="accent1"/>
+          </a:effectRef>
+          <a:fontRef idx="minor">
+            <a:schemeClr val="tx1"/>
+          </a:fontRef>
+        </p:style>
+        <p:txBody>
+          <a:bodyPr rtlCol="0" anchor="ctr"/>
+          <a:lstStyle/>
+          <a:p>
+            <a:pPr algn="ctr"/>
+            <a:endParaRPr lang="en-DE">
+              <a:solidFill>
+                <a:schemeClr val="tx1"/>
+              </a:solidFill>
+            </a:endParaRPr>
+          </a:p>
+        </p:txBody>
+      </p:sp>
+      <p:cxnSp>
+        <p:nvCxnSpPr>
+          <p:cNvPr id="8" name="Elbow Connector 7">
+            <a:extLst>
+              <a:ext uri="{FF2B5EF4-FFF2-40B4-BE49-F238E27FC236}">
+                <a16:creationId xmlns:a16="http://schemas.microsoft.com/office/drawing/2014/main" id="{A4FD43A9-1E16-0F48-89F4-14D759938F97}"/>
+              </a:ext>
+            </a:extLst>
+          </p:cNvPr>
+          <p:cNvCxnSpPr>
+            <a:cxnSpLocks/>
+          </p:cNvCxnSpPr>
+          <p:nvPr/>
+        </p:nvCxnSpPr>
+        <p:spPr>
+          <a:xfrm rot="16200000" flipH="1">
+            <a:off x="6173788" y="4975070"/>
+            <a:ext cx="12700" cy="1196954"/>
+          </a:xfrm>
+          <a:prstGeom prst="bentConnector3">
+            <a:avLst>
+              <a:gd name="adj1" fmla="val 1800000"/>
+            </a:avLst>
+          </a:prstGeom>
+          <a:ln w="114300" cap="rnd">
+            <a:solidFill>
+              <a:srgbClr val="00B050"/>
+            </a:solidFill>
+            <a:round/>
+          </a:ln>
+        </p:spPr>
+        <p:style>
+          <a:lnRef idx="1">
+            <a:schemeClr val="accent1"/>
+          </a:lnRef>
+          <a:fillRef idx="0">
+            <a:schemeClr val="accent1"/>
+          </a:fillRef>
+          <a:effectRef idx="0">
+            <a:schemeClr val="accent1"/>
+          </a:effectRef>
+          <a:fontRef idx="minor">
+            <a:schemeClr val="tx1"/>
+          </a:fontRef>
+        </p:style>
+      </p:cxnSp>
+      <p:cxnSp>
+        <p:nvCxnSpPr>
+          <p:cNvPr id="30" name="Straight Arrow Connector 29">
+            <a:extLst>
+              <a:ext uri="{FF2B5EF4-FFF2-40B4-BE49-F238E27FC236}">
+                <a16:creationId xmlns:a16="http://schemas.microsoft.com/office/drawing/2014/main" id="{941B340D-48CC-1546-AA69-6CA695EF2A08}"/>
+              </a:ext>
+            </a:extLst>
+          </p:cNvPr>
+          <p:cNvCxnSpPr>
+            <a:cxnSpLocks/>
+          </p:cNvCxnSpPr>
+          <p:nvPr/>
+        </p:nvCxnSpPr>
+        <p:spPr>
+          <a:xfrm flipV="1">
+            <a:off x="6180138" y="4742922"/>
+            <a:ext cx="0" cy="800583"/>
+          </a:xfrm>
+          <a:prstGeom prst="straightConnector1">
+            <a:avLst/>
+          </a:prstGeom>
+          <a:ln w="114300" cap="rnd">
+            <a:solidFill>
+              <a:srgbClr val="00B050"/>
+            </a:solidFill>
+            <a:round/>
+            <a:headEnd type="triangle" w="med" len="med"/>
+            <a:tailEnd type="none" w="med" len="med"/>
           </a:ln>
         </p:spPr>
         <p:style>
@@ -4026,4 +5433,299 @@
     </a:ext>
   </a:extLst>
 </a:theme>
+</file>
+
+<file path=ppt/theme/theme2.xml><?xml version="1.0" encoding="utf-8"?>
+<a:theme xmlns:a="http://schemas.openxmlformats.org/drawingml/2006/main" name="Office Theme">
+  <a:themeElements>
+    <a:clrScheme name="Office">
+      <a:dk1>
+        <a:sysClr val="windowText" lastClr="000000"/>
+      </a:dk1>
+      <a:lt1>
+        <a:sysClr val="window" lastClr="FFFFFF"/>
+      </a:lt1>
+      <a:dk2>
+        <a:srgbClr val="44546A"/>
+      </a:dk2>
+      <a:lt2>
+        <a:srgbClr val="E7E6E6"/>
+      </a:lt2>
+      <a:accent1>
+        <a:srgbClr val="4472C4"/>
+      </a:accent1>
+      <a:accent2>
+        <a:srgbClr val="ED7D31"/>
+      </a:accent2>
+      <a:accent3>
+        <a:srgbClr val="A5A5A5"/>
+      </a:accent3>
+      <a:accent4>
+        <a:srgbClr val="FFC000"/>
+      </a:accent4>
+      <a:accent5>
+        <a:srgbClr val="5B9BD5"/>
+      </a:accent5>
+      <a:accent6>
+        <a:srgbClr val="70AD47"/>
+      </a:accent6>
+      <a:hlink>
+        <a:srgbClr val="0563C1"/>
+      </a:hlink>
+      <a:folHlink>
+        <a:srgbClr val="954F72"/>
+      </a:folHlink>
+    </a:clrScheme>
+    <a:fontScheme name="Office">
+      <a:majorFont>
+        <a:latin typeface="Calibri Light" panose="020F0302020204030204"/>
+        <a:ea typeface=""/>
+        <a:cs typeface=""/>
+        <a:font script="Jpan" typeface="游ゴシック Light"/>
+        <a:font script="Hang" typeface="맑은 고딕"/>
+        <a:font script="Hans" typeface="等线 Light"/>
+        <a:font script="Hant" typeface="新細明體"/>
+        <a:font script="Arab" typeface="Times New Roman"/>
+        <a:font script="Hebr" typeface="Times New Roman"/>
+        <a:font script="Thai" typeface="Angsana New"/>
+        <a:font script="Ethi" typeface="Nyala"/>
+        <a:font script="Beng" typeface="Vrinda"/>
+        <a:font script="Gujr" typeface="Shruti"/>
+        <a:font script="Khmr" typeface="MoolBoran"/>
+        <a:font script="Knda" typeface="Tunga"/>
+        <a:font script="Guru" typeface="Raavi"/>
+        <a:font script="Cans" typeface="Euphemia"/>
+        <a:font script="Cher" typeface="Plantagenet Cherokee"/>
+        <a:font script="Yiii" typeface="Microsoft Yi Baiti"/>
+        <a:font script="Tibt" typeface="Microsoft Himalaya"/>
+        <a:font script="Thaa" typeface="MV Boli"/>
+        <a:font script="Deva" typeface="Mangal"/>
+        <a:font script="Telu" typeface="Gautami"/>
+        <a:font script="Taml" typeface="Latha"/>
+        <a:font script="Syrc" typeface="Estrangelo Edessa"/>
+        <a:font script="Orya" typeface="Kalinga"/>
+        <a:font script="Mlym" typeface="Kartika"/>
+        <a:font script="Laoo" typeface="DokChampa"/>
+        <a:font script="Sinh" typeface="Iskoola Pota"/>
+        <a:font script="Mong" typeface="Mongolian Baiti"/>
+        <a:font script="Viet" typeface="Times New Roman"/>
+        <a:font script="Uigh" typeface="Microsoft Uighur"/>
+        <a:font script="Geor" typeface="Sylfaen"/>
+        <a:font script="Armn" typeface="Arial"/>
+        <a:font script="Bugi" typeface="Leelawadee UI"/>
+        <a:font script="Bopo" typeface="Microsoft JhengHei"/>
+        <a:font script="Java" typeface="Javanese Text"/>
+        <a:font script="Lisu" typeface="Segoe UI"/>
+        <a:font script="Mymr" typeface="Myanmar Text"/>
+        <a:font script="Nkoo" typeface="Ebrima"/>
+        <a:font script="Olck" typeface="Nirmala UI"/>
+        <a:font script="Osma" typeface="Ebrima"/>
+        <a:font script="Phag" typeface="Phagspa"/>
+        <a:font script="Syrn" typeface="Estrangelo Edessa"/>
+        <a:font script="Syrj" typeface="Estrangelo Edessa"/>
+        <a:font script="Syre" typeface="Estrangelo Edessa"/>
+        <a:font script="Sora" typeface="Nirmala UI"/>
+        <a:font script="Tale" typeface="Microsoft Tai Le"/>
+        <a:font script="Talu" typeface="Microsoft New Tai Lue"/>
+        <a:font script="Tfng" typeface="Ebrima"/>
+      </a:majorFont>
+      <a:minorFont>
+        <a:latin typeface="Calibri" panose="020F0502020204030204"/>
+        <a:ea typeface=""/>
+        <a:cs typeface=""/>
+        <a:font script="Jpan" typeface="游ゴシック"/>
+        <a:font script="Hang" typeface="맑은 고딕"/>
+        <a:font script="Hans" typeface="等线"/>
+        <a:font script="Hant" typeface="新細明體"/>
+        <a:font script="Arab" typeface="Arial"/>
+        <a:font script="Hebr" typeface="Arial"/>
+        <a:font script="Thai" typeface="Cordia New"/>
+        <a:font script="Ethi" typeface="Nyala"/>
+        <a:font script="Beng" typeface="Vrinda"/>
+        <a:font script="Gujr" typeface="Shruti"/>
+        <a:font script="Khmr" typeface="DaunPenh"/>
+        <a:font script="Knda" typeface="Tunga"/>
+        <a:font script="Guru" typeface="Raavi"/>
+        <a:font script="Cans" typeface="Euphemia"/>
+        <a:font script="Cher" typeface="Plantagenet Cherokee"/>
+        <a:font script="Yiii" typeface="Microsoft Yi Baiti"/>
+        <a:font script="Tibt" typeface="Microsoft Himalaya"/>
+        <a:font script="Thaa" typeface="MV Boli"/>
+        <a:font script="Deva" typeface="Mangal"/>
+        <a:font script="Telu" typeface="Gautami"/>
+        <a:font script="Taml" typeface="Latha"/>
+        <a:font script="Syrc" typeface="Estrangelo Edessa"/>
+        <a:font script="Orya" typeface="Kalinga"/>
+        <a:font script="Mlym" typeface="Kartika"/>
+        <a:font script="Laoo" typeface="DokChampa"/>
+        <a:font script="Sinh" typeface="Iskoola Pota"/>
+        <a:font script="Mong" typeface="Mongolian Baiti"/>
+        <a:font script="Viet" typeface="Arial"/>
+        <a:font script="Uigh" typeface="Microsoft Uighur"/>
+        <a:font script="Geor" typeface="Sylfaen"/>
+        <a:font script="Armn" typeface="Arial"/>
+        <a:font script="Bugi" typeface="Leelawadee UI"/>
+        <a:font script="Bopo" typeface="Microsoft JhengHei"/>
+        <a:font script="Java" typeface="Javanese Text"/>
+        <a:font script="Lisu" typeface="Segoe UI"/>
+        <a:font script="Mymr" typeface="Myanmar Text"/>
+        <a:font script="Nkoo" typeface="Ebrima"/>
+        <a:font script="Olck" typeface="Nirmala UI"/>
+        <a:font script="Osma" typeface="Ebrima"/>
+        <a:font script="Phag" typeface="Phagspa"/>
+        <a:font script="Syrn" typeface="Estrangelo Edessa"/>
+        <a:font script="Syrj" typeface="Estrangelo Edessa"/>
+        <a:font script="Syre" typeface="Estrangelo Edessa"/>
+        <a:font script="Sora" typeface="Nirmala UI"/>
+        <a:font script="Tale" typeface="Microsoft Tai Le"/>
+        <a:font script="Talu" typeface="Microsoft New Tai Lue"/>
+        <a:font script="Tfng" typeface="Ebrima"/>
+      </a:minorFont>
+    </a:fontScheme>
+    <a:fmtScheme name="Office">
+      <a:fillStyleLst>
+        <a:solidFill>
+          <a:schemeClr val="phClr"/>
+        </a:solidFill>
+        <a:gradFill rotWithShape="1">
+          <a:gsLst>
+            <a:gs pos="0">
+              <a:schemeClr val="phClr">
+                <a:lumMod val="110000"/>
+                <a:satMod val="105000"/>
+                <a:tint val="67000"/>
+              </a:schemeClr>
+            </a:gs>
+            <a:gs pos="50000">
+              <a:schemeClr val="phClr">
+                <a:lumMod val="105000"/>
+                <a:satMod val="103000"/>
+                <a:tint val="73000"/>
+              </a:schemeClr>
+            </a:gs>
+            <a:gs pos="100000">
+              <a:schemeClr val="phClr">
+                <a:lumMod val="105000"/>
+                <a:satMod val="109000"/>
+                <a:tint val="81000"/>
+              </a:schemeClr>
+            </a:gs>
+          </a:gsLst>
+          <a:lin ang="5400000" scaled="0"/>
+        </a:gradFill>
+        <a:gradFill rotWithShape="1">
+          <a:gsLst>
+            <a:gs pos="0">
+              <a:schemeClr val="phClr">
+                <a:satMod val="103000"/>
+                <a:lumMod val="102000"/>
+                <a:tint val="94000"/>
+              </a:schemeClr>
+            </a:gs>
+            <a:gs pos="50000">
+              <a:schemeClr val="phClr">
+                <a:satMod val="110000"/>
+                <a:lumMod val="100000"/>
+                <a:shade val="100000"/>
+              </a:schemeClr>
+            </a:gs>
+            <a:gs pos="100000">
+              <a:schemeClr val="phClr">
+                <a:lumMod val="99000"/>
+                <a:satMod val="120000"/>
+                <a:shade val="78000"/>
+              </a:schemeClr>
+            </a:gs>
+          </a:gsLst>
+          <a:lin ang="5400000" scaled="0"/>
+        </a:gradFill>
+      </a:fillStyleLst>
+      <a:lnStyleLst>
+        <a:ln w="6350" cap="flat" cmpd="sng" algn="ctr">
+          <a:solidFill>
+            <a:schemeClr val="phClr"/>
+          </a:solidFill>
+          <a:prstDash val="solid"/>
+          <a:miter lim="800000"/>
+        </a:ln>
+        <a:ln w="12700" cap="flat" cmpd="sng" algn="ctr">
+          <a:solidFill>
+            <a:schemeClr val="phClr"/>
+          </a:solidFill>
+          <a:prstDash val="solid"/>
+          <a:miter lim="800000"/>
+        </a:ln>
+        <a:ln w="19050" cap="flat" cmpd="sng" algn="ctr">
+          <a:solidFill>
+            <a:schemeClr val="phClr"/>
+          </a:solidFill>
+          <a:prstDash val="solid"/>
+          <a:miter lim="800000"/>
+        </a:ln>
+      </a:lnStyleLst>
+      <a:effectStyleLst>
+        <a:effectStyle>
+          <a:effectLst/>
+        </a:effectStyle>
+        <a:effectStyle>
+          <a:effectLst/>
+        </a:effectStyle>
+        <a:effectStyle>
+          <a:effectLst>
+            <a:outerShdw blurRad="57150" dist="19050" dir="5400000" algn="ctr" rotWithShape="0">
+              <a:srgbClr val="000000">
+                <a:alpha val="63000"/>
+              </a:srgbClr>
+            </a:outerShdw>
+          </a:effectLst>
+        </a:effectStyle>
+      </a:effectStyleLst>
+      <a:bgFillStyleLst>
+        <a:solidFill>
+          <a:schemeClr val="phClr"/>
+        </a:solidFill>
+        <a:solidFill>
+          <a:schemeClr val="phClr">
+            <a:tint val="95000"/>
+            <a:satMod val="170000"/>
+          </a:schemeClr>
+        </a:solidFill>
+        <a:gradFill rotWithShape="1">
+          <a:gsLst>
+            <a:gs pos="0">
+              <a:schemeClr val="phClr">
+                <a:tint val="93000"/>
+                <a:satMod val="150000"/>
+                <a:shade val="98000"/>
+                <a:lumMod val="102000"/>
+              </a:schemeClr>
+            </a:gs>
+            <a:gs pos="50000">
+              <a:schemeClr val="phClr">
+                <a:tint val="98000"/>
+                <a:satMod val="130000"/>
+                <a:shade val="90000"/>
+                <a:lumMod val="103000"/>
+              </a:schemeClr>
+            </a:gs>
+            <a:gs pos="100000">
+              <a:schemeClr val="phClr">
+                <a:shade val="63000"/>
+                <a:satMod val="120000"/>
+              </a:schemeClr>
+            </a:gs>
+          </a:gsLst>
+          <a:lin ang="5400000" scaled="0"/>
+        </a:gradFill>
+      </a:bgFillStyleLst>
+    </a:fmtScheme>
+  </a:themeElements>
+  <a:objectDefaults/>
+  <a:extraClrSchemeLst/>
+  <a:extLst>
+    <a:ext uri="{05A4C25C-085E-4340-85A3-A5531E510DB2}">
+      <thm15:themeFamily xmlns:thm15="http://schemas.microsoft.com/office/thememl/2012/main" name="Office Theme" id="{62F939B6-93AF-4DB8-9C6B-D6C7DFDC589F}" vid="{4A3C46E8-61CC-4603-A589-7422A47A8E4A}"/>
+    </a:ext>
+  </a:extLst>
+</a:theme>
 </file>